--- a/Docs/Helios_URBaNS.pptx
+++ b/Docs/Helios_URBaNS.pptx
@@ -5913,7 +5913,7 @@
         </p:blipFill>
         <p:spPr bwMode="auto">
           <a:xfrm>
-            <a:off x="7714548" y="2981112"/>
+            <a:off x="7574436" y="3069163"/>
             <a:ext cx="4337850" cy="2891900"/>
           </a:xfrm>
           <a:prstGeom prst="rect">

--- a/Docs/Helios_URBaNS.pptx
+++ b/Docs/Helios_URBaNS.pptx
@@ -261,7 +261,7 @@
             <a:fld id="{C4D5ADD5-2BBC-4A94-8F86-D9013941F742}" type="datetimeFigureOut">
               <a:rPr lang="en-US"/>
               <a:pPr/>
-              <a:t>27-Sep-25</a:t>
+              <a:t>9/27/2025</a:t>
             </a:fld>
             <a:endParaRPr lang="en-US"/>
           </a:p>
@@ -1534,7 +1534,7 @@
           <a:p>
             <a:fld id="{E60792E3-D524-454C-8AFD-A91972900BCB}" type="datetime1">
               <a:rPr lang="en-US" smtClean="0"/>
-              <a:t>27-Sep-25</a:t>
+              <a:t>9/27/2025</a:t>
             </a:fld>
             <a:endParaRPr lang="en-US"/>
           </a:p>
@@ -1719,7 +1719,7 @@
           <a:p>
             <a:fld id="{053C3A68-6922-42D3-8905-ECC2D82A3469}" type="datetime1">
               <a:rPr lang="en-US" smtClean="0"/>
-              <a:t>27-Sep-25</a:t>
+              <a:t>9/27/2025</a:t>
             </a:fld>
             <a:endParaRPr lang="en-US"/>
           </a:p>
@@ -1914,7 +1914,7 @@
           <a:p>
             <a:fld id="{CB69E9F4-7604-4950-A8B2-8ACDEDB1506E}" type="datetime1">
               <a:rPr lang="en-US" smtClean="0"/>
-              <a:t>27-Sep-25</a:t>
+              <a:t>9/27/2025</a:t>
             </a:fld>
             <a:endParaRPr lang="en-US"/>
           </a:p>
@@ -2099,7 +2099,7 @@
           <a:p>
             <a:fld id="{708B7524-32A2-4C20-A58C-BC3BAA1042FC}" type="datetime1">
               <a:rPr lang="en-US" smtClean="0"/>
-              <a:t>27-Sep-25</a:t>
+              <a:t>9/27/2025</a:t>
             </a:fld>
             <a:endParaRPr lang="en-US"/>
           </a:p>
@@ -2361,7 +2361,7 @@
           <a:p>
             <a:fld id="{1E994447-D6B2-43BB-A877-57F1A267B999}" type="datetime1">
               <a:rPr lang="en-US" smtClean="0"/>
-              <a:t>27-Sep-25</a:t>
+              <a:t>9/27/2025</a:t>
             </a:fld>
             <a:endParaRPr lang="en-US"/>
           </a:p>
@@ -2663,7 +2663,7 @@
           <a:p>
             <a:fld id="{68920E16-BD35-483C-AA6B-346FC7E46DEA}" type="datetime1">
               <a:rPr lang="en-US" smtClean="0"/>
-              <a:t>27-Sep-25</a:t>
+              <a:t>9/27/2025</a:t>
             </a:fld>
             <a:endParaRPr lang="en-US"/>
           </a:p>
@@ -3099,7 +3099,7 @@
           <a:p>
             <a:fld id="{2FEAC6F8-5103-4FC0-A69E-5C6AE6469DA8}" type="datetime1">
               <a:rPr lang="en-US" smtClean="0"/>
-              <a:t>27-Sep-25</a:t>
+              <a:t>9/27/2025</a:t>
             </a:fld>
             <a:endParaRPr lang="en-US"/>
           </a:p>
@@ -3233,7 +3233,7 @@
           <a:p>
             <a:fld id="{C60C6921-0627-4C8F-83D5-0CF936D2FFDD}" type="datetime1">
               <a:rPr lang="en-US" smtClean="0"/>
-              <a:t>27-Sep-25</a:t>
+              <a:t>9/27/2025</a:t>
             </a:fld>
             <a:endParaRPr lang="en-US"/>
           </a:p>
@@ -3345,7 +3345,7 @@
           <a:p>
             <a:fld id="{2FF08AD7-8103-40F8-983C-E2BA6BB9CBE0}" type="datetime1">
               <a:rPr lang="en-US" smtClean="0"/>
-              <a:t>27-Sep-25</a:t>
+              <a:t>9/27/2025</a:t>
             </a:fld>
             <a:endParaRPr lang="en-US"/>
           </a:p>
@@ -3637,7 +3637,7 @@
           <a:p>
             <a:fld id="{DF8C06B4-9380-4A4D-AF49-A3596E17DAF5}" type="datetime1">
               <a:rPr lang="en-US" smtClean="0"/>
-              <a:t>27-Sep-25</a:t>
+              <a:t>9/27/2025</a:t>
             </a:fld>
             <a:endParaRPr lang="en-US"/>
           </a:p>
@@ -3909,7 +3909,7 @@
           <a:p>
             <a:fld id="{EF7FDEF1-C582-4E22-9E77-D68326471F28}" type="datetime1">
               <a:rPr lang="en-US" smtClean="0"/>
-              <a:t>27-Sep-25</a:t>
+              <a:t>9/27/2025</a:t>
             </a:fld>
             <a:endParaRPr lang="en-US"/>
           </a:p>
@@ -4155,7 +4155,7 @@
           <a:p>
             <a:fld id="{780A9602-A9A9-453F-AEF1-37B5837E02CD}" type="datetime1">
               <a:rPr lang="en-US" smtClean="0"/>
-              <a:t>27-Sep-25</a:t>
+              <a:t>9/27/2025</a:t>
             </a:fld>
             <a:endParaRPr lang="en-US"/>
           </a:p>
@@ -6031,8 +6031,8 @@
         </p:nvSpPr>
         <p:spPr bwMode="auto">
           <a:xfrm>
-            <a:off x="778720" y="2267744"/>
-            <a:ext cx="6604315" cy="3693319"/>
+            <a:off x="778721" y="1356199"/>
+            <a:ext cx="6379164" cy="5078313"/>
           </a:xfrm>
           <a:prstGeom prst="rect">
             <a:avLst/>
@@ -6051,12 +6051,6 @@
           </a:bodyPr>
           <a:lstStyle/>
           <a:p>
-            <a:r>
-              <a:rPr lang="en-US" b="1" dirty="0"/>
-              <a:t>Proposed Solution:</a:t>
-            </a:r>
-          </a:p>
-          <a:p>
             <a:endParaRPr lang="en-US" b="1" dirty="0"/>
           </a:p>
           <a:p>
@@ -6065,12 +6059,29 @@
               <a:buChar char="•"/>
             </a:pPr>
             <a:r>
-              <a:rPr lang="en-US" b="1" dirty="0" err="1"/>
-              <a:t>URBaNS</a:t>
+              <a:rPr lang="en-US" b="1" dirty="0"/>
+              <a:t>The Core Problem:</a:t>
             </a:r>
             <a:r>
               <a:rPr lang="en-US" dirty="0"/>
-              <a:t> creates a smart simulation by combining real-world traffic patterns, Indian road conditions, and navigation logic. It offers feature to modify existing road and test traffic simulation on it</a:t>
+              <a:t> To build smart infrastructure, cities need detailed digital road models. The current manual process of creating them is too slow, expensive, and cannot scale for India's rapidly growing cities.</a:t>
+            </a:r>
+          </a:p>
+          <a:p>
+            <a:endParaRPr lang="en-US" dirty="0"/>
+          </a:p>
+          <a:p>
+            <a:pPr marL="285750" indent="-285750">
+              <a:buFont typeface="Arial" panose="020B0604020202020204" pitchFamily="34" charset="0"/>
+              <a:buChar char="•"/>
+            </a:pPr>
+            <a:r>
+              <a:rPr lang="en-US" b="1" dirty="0"/>
+              <a:t>The Gap in India:</a:t>
+            </a:r>
+            <a:r>
+              <a:rPr lang="en-US" dirty="0"/>
+              <a:t> Existing tools are inadequate for high-fidelity simulation.</a:t>
             </a:r>
           </a:p>
           <a:p>
@@ -6086,8 +6097,12 @@
               <a:buChar char="•"/>
             </a:pPr>
             <a:r>
+              <a:rPr lang="en-US" b="1" dirty="0"/>
+              <a:t>Navigation Maps:</a:t>
+            </a:r>
+            <a:r>
               <a:rPr lang="en-US" dirty="0"/>
-              <a:t>It reduces traffic uncertainties, improves planning reliability, and generates data to support better urban mobility in Indian cities.</a:t>
+              <a:t> Lack the engineering-grade detail (lanes, signal data, road quality) required for accurate planning.</a:t>
             </a:r>
           </a:p>
           <a:p>
@@ -6103,16 +6118,29 @@
               <a:buChar char="•"/>
             </a:pPr>
             <a:r>
+              <a:rPr lang="en-US" b="1" dirty="0"/>
+              <a:t>Official Datasets:</a:t>
+            </a:r>
+            <a:r>
               <a:rPr lang="en-US" dirty="0"/>
-              <a:t>Designed for India, </a:t>
-            </a:r>
-            <a:r>
-              <a:rPr lang="en-US" dirty="0" err="1"/>
-              <a:t>URBaNS</a:t>
-            </a:r>
+              <a:t> Are often incomplete, outdated, or entirely missing for the Tier-2/3 cities that need them most. </a:t>
+            </a:r>
+          </a:p>
+          <a:p>
+            <a:pPr marL="285750" indent="-285750">
+              <a:buFont typeface="Arial" panose="020B0604020202020204" pitchFamily="34" charset="0"/>
+              <a:buChar char="•"/>
+            </a:pPr>
+            <a:endParaRPr lang="en-US" dirty="0"/>
+          </a:p>
+          <a:p>
+            <a:pPr marL="285750" indent="-285750">
+              <a:buFont typeface="Arial" panose="020B0604020202020204" pitchFamily="34" charset="0"/>
+              <a:buChar char="•"/>
+            </a:pPr>
             <a:r>
               <a:rPr lang="en-US" dirty="0"/>
-              <a:t> offers scalable simulations for Tier-2/3 cities, multilingual support, and potential AI-driven behavior analysis.</a:t>
+              <a:t>This data gap forces our cities to make critical infrastructure decisions without a complete picture, leading to inefficient planning and traffic congestion.</a:t>
             </a:r>
           </a:p>
         </p:txBody>
@@ -6300,8 +6328,8 @@
         </p:nvSpPr>
         <p:spPr bwMode="auto">
           <a:xfrm>
-            <a:off x="778720" y="1092693"/>
-            <a:ext cx="9692639" cy="1058352"/>
+            <a:off x="2657829" y="922045"/>
+            <a:ext cx="6872753" cy="503238"/>
           </a:xfrm>
           <a:prstGeom prst="rect">
             <a:avLst/>
@@ -6467,24 +6495,10 @@
             </a:lvl9pPr>
           </a:lstStyle>
           <a:p>
-            <a:pPr algn="l" eaLnBrk="1" hangingPunct="1"/>
             <a:r>
               <a:rPr lang="en-US" sz="1800" dirty="0"/>
-              <a:t>Understanding and managing urban road behavior is often challenging due to scattered traffic data, unpredictable navigation, and lack of a unified system. </a:t>
-            </a:r>
-            <a:r>
-              <a:rPr lang="en-US" sz="1800" dirty="0" err="1"/>
-              <a:t>URBaNS</a:t>
-            </a:r>
-            <a:r>
-              <a:rPr lang="en-US" sz="1800" dirty="0"/>
-              <a:t> is a software that brings these elements together, simplifying traffic simulation and planning.</a:t>
-            </a:r>
-            <a:endParaRPr lang="en-US" sz="1800" dirty="0">
-              <a:latin typeface="+mj-lt"/>
-              <a:ea typeface="ＭＳ Ｐゴシック" pitchFamily="1" charset="-128"/>
-              <a:cs typeface="Arial" panose="020B0604020202020204" pitchFamily="34" charset="0"/>
-            </a:endParaRPr>
+              <a:t>The Urban Data Gap: Why We Are Planning Blind</a:t>
+            </a:r>
           </a:p>
         </p:txBody>
       </p:sp>
@@ -6829,8 +6843,8 @@
         </p:nvSpPr>
         <p:spPr bwMode="auto">
           <a:xfrm>
-            <a:off x="628126" y="1081466"/>
-            <a:ext cx="9692639" cy="888442"/>
+            <a:off x="628127" y="1081466"/>
+            <a:ext cx="6412754" cy="888442"/>
           </a:xfrm>
           <a:prstGeom prst="rect">
             <a:avLst/>
@@ -6998,8 +7012,20 @@
           <a:p>
             <a:pPr algn="l" eaLnBrk="1" hangingPunct="1"/>
             <a:r>
+              <a:rPr lang="en-US" sz="2000" b="1" dirty="0"/>
+              <a:t> </a:t>
+            </a:r>
+            <a:r>
+              <a:rPr lang="en-US" sz="2000" b="1" dirty="0" err="1"/>
+              <a:t>URBaNS</a:t>
+            </a:r>
+            <a:r>
+              <a:rPr lang="en-US" sz="2000" b="1" dirty="0"/>
+              <a:t> </a:t>
+            </a:r>
+            <a:r>
               <a:rPr lang="en-US" sz="2000" dirty="0"/>
-              <a:t>We will use a modern tech stack to build a software which is optimized for running heavy simulations and handing smooth user experience. </a:t>
+              <a:t>is a software platform that automates and accelerates the creation of high-fidelity road models. </a:t>
             </a:r>
             <a:endParaRPr lang="en-US" sz="2000" dirty="0">
               <a:latin typeface="+mj-lt"/>
@@ -7026,7 +7052,7 @@
         <p:spPr bwMode="auto">
           <a:xfrm>
             <a:off x="628126" y="2027441"/>
-            <a:ext cx="6412754" cy="4093428"/>
+            <a:ext cx="6412754" cy="4401205"/>
           </a:xfrm>
           <a:prstGeom prst="rect">
             <a:avLst/>
@@ -7051,6 +7077,10 @@
             </a:r>
           </a:p>
           <a:p>
+            <a:pPr marL="342900" indent="-342900">
+              <a:buFont typeface="Arial" panose="020B0604020202020204" pitchFamily="34" charset="0"/>
+              <a:buChar char="•"/>
+            </a:pPr>
             <a:endParaRPr lang="en-IN" sz="2000" b="1" u="sng" dirty="0"/>
           </a:p>
           <a:p>
@@ -7081,6 +7111,57 @@
             </a:r>
           </a:p>
           <a:p>
+            <a:pPr marL="342900" lvl="0" indent="-342900" defTabSz="914400" eaLnBrk="0" hangingPunct="0">
+              <a:buFont typeface="Arial" panose="020B0604020202020204" pitchFamily="34" charset="0"/>
+              <a:buChar char="•"/>
+            </a:pPr>
+            <a:endParaRPr lang="en-US" altLang="en-US" sz="2000" dirty="0">
+              <a:latin typeface="Arial" panose="020B0604020202020204" pitchFamily="34" charset="0"/>
+            </a:endParaRPr>
+          </a:p>
+          <a:p>
+            <a:pPr marL="342900" lvl="0" indent="-342900" defTabSz="914400" eaLnBrk="0" hangingPunct="0">
+              <a:buFont typeface="Arial" panose="020B0604020202020204" pitchFamily="34" charset="0"/>
+              <a:buChar char="•"/>
+            </a:pPr>
+            <a:r>
+              <a:rPr lang="en-US" altLang="en-US" sz="2000" dirty="0">
+                <a:latin typeface="+mj-lt"/>
+              </a:rPr>
+              <a:t>   </a:t>
+            </a:r>
+            <a:r>
+              <a:rPr lang="en-US" altLang="en-US" sz="2000" u="sng" dirty="0">
+                <a:latin typeface="+mj-lt"/>
+              </a:rPr>
+              <a:t>Framework</a:t>
+            </a:r>
+            <a:r>
+              <a:rPr lang="en-US" altLang="en-US" sz="2000" b="1" u="sng" dirty="0">
+                <a:latin typeface="+mj-lt"/>
+              </a:rPr>
+              <a:t>:</a:t>
+            </a:r>
+            <a:r>
+              <a:rPr lang="en-US" altLang="en-US" sz="2000" u="sng" dirty="0">
+                <a:latin typeface="+mj-lt"/>
+              </a:rPr>
+              <a:t> </a:t>
+            </a:r>
+            <a:r>
+              <a:rPr lang="en-US" altLang="en-US" sz="2000" u="sng" dirty="0" err="1">
+                <a:latin typeface="+mj-lt"/>
+              </a:rPr>
+              <a:t>FastAPI</a:t>
+            </a:r>
+            <a:r>
+              <a:rPr lang="en-US" altLang="en-US" sz="2000" u="sng" dirty="0">
+                <a:latin typeface="+mj-lt"/>
+              </a:rPr>
+              <a:t> </a:t>
+            </a:r>
+          </a:p>
+          <a:p>
             <a:pPr marL="342900" indent="-342900">
               <a:buFont typeface="Arial" panose="020B0604020202020204" pitchFamily="34" charset="0"/>
               <a:buChar char="•"/>
@@ -7103,30 +7184,25 @@
             <a:endParaRPr lang="en-IN" sz="2000" u="sng" dirty="0"/>
           </a:p>
           <a:p>
-            <a:endParaRPr lang="en-IN" sz="2000" u="sng" dirty="0"/>
-          </a:p>
-          <a:p>
             <a:pPr marL="342900" indent="-342900">
               <a:buFont typeface="Arial" panose="020B0604020202020204" pitchFamily="34" charset="0"/>
               <a:buChar char="•"/>
             </a:pPr>
+            <a:endParaRPr lang="en-IN" sz="2000" u="sng" dirty="0"/>
+          </a:p>
+          <a:p>
+            <a:pPr marL="342900" indent="-342900">
+              <a:buFont typeface="Arial" panose="020B0604020202020204" pitchFamily="34" charset="0"/>
+              <a:buChar char="•"/>
+            </a:pPr>
             <a:r>
               <a:rPr lang="en-IN" sz="2000" u="sng" dirty="0"/>
-              <a:t>Simulation Integration: MATLAB / </a:t>
-            </a:r>
-            <a:r>
-              <a:rPr lang="en-IN" sz="2000" u="sng" dirty="0" err="1"/>
-              <a:t>RoadRunner</a:t>
-            </a:r>
-            <a:r>
-              <a:rPr lang="en-IN" sz="2000" u="sng" dirty="0"/>
-              <a:t> for advanced traffic </a:t>
-            </a:r>
-            <a:r>
-              <a:rPr lang="en-IN" sz="2000" u="sng" dirty="0" err="1"/>
-              <a:t>modeling</a:t>
-            </a:r>
-            <a:endParaRPr lang="en-IN" sz="2000" u="sng" dirty="0"/>
+              <a:t>Simulation Integration: </a:t>
+            </a:r>
+            <a:r>
+              <a:rPr lang="en-IN" sz="2000" dirty="0"/>
+              <a:t> SUMO</a:t>
+            </a:r>
           </a:p>
           <a:p>
             <a:pPr marL="342900" indent="-342900">
@@ -7953,32 +8029,49 @@
       </p:sp>
       <p:pic>
         <p:nvPicPr>
-          <p:cNvPr id="26" name="Picture 25">
+          <p:cNvPr id="2052" name="Picture 4">
             <a:extLst>
               <a:ext uri="{FF2B5EF4-FFF2-40B4-BE49-F238E27FC236}">
-                <a16:creationId xmlns:a16="http://schemas.microsoft.com/office/drawing/2014/main" id="{1807927B-CD4B-76A4-482E-A342C7738942}"/>
+                <a16:creationId xmlns:a16="http://schemas.microsoft.com/office/drawing/2014/main" id="{315A81F6-C660-A362-C0BA-21E64C3702AD}"/>
               </a:ext>
             </a:extLst>
           </p:cNvPr>
           <p:cNvPicPr>
-            <a:picLocks noChangeAspect="1"/>
+            <a:picLocks noChangeAspect="1" noChangeArrowheads="1"/>
           </p:cNvPicPr>
           <p:nvPr/>
         </p:nvPicPr>
         <p:blipFill>
-          <a:blip r:embed="rId4"/>
+          <a:blip r:embed="rId4">
+            <a:extLst>
+              <a:ext uri="{28A0092B-C50C-407E-A947-70E740481C1C}">
+                <a14:useLocalDpi xmlns:a14="http://schemas.microsoft.com/office/drawing/2010/main" val="0"/>
+              </a:ext>
+            </a:extLst>
+          </a:blip>
+          <a:srcRect/>
           <a:stretch>
             <a:fillRect/>
           </a:stretch>
         </p:blipFill>
-        <p:spPr>
+        <p:spPr bwMode="auto">
           <a:xfrm>
-            <a:off x="6695439" y="953202"/>
-            <a:ext cx="4963160" cy="5741695"/>
+            <a:off x="6250200" y="1161776"/>
+            <a:ext cx="6329950" cy="4901746"/>
           </a:xfrm>
           <a:prstGeom prst="rect">
             <a:avLst/>
           </a:prstGeom>
+          <a:noFill/>
+          <a:extLst>
+            <a:ext uri="{909E8E84-426E-40DD-AFC4-6F175D3DCCD1}">
+              <a14:hiddenFill xmlns:a14="http://schemas.microsoft.com/office/drawing/2010/main">
+                <a:solidFill>
+                  <a:srgbClr val="FFFFFF"/>
+                </a:solidFill>
+              </a14:hiddenFill>
+            </a:ext>
+          </a:extLst>
         </p:spPr>
       </p:pic>
     </p:spTree>
@@ -8514,8 +8607,8 @@
         </p:nvSpPr>
         <p:spPr bwMode="auto">
           <a:xfrm>
-            <a:off x="532699" y="1190208"/>
-            <a:ext cx="7813659" cy="5035353"/>
+            <a:off x="532699" y="1157188"/>
+            <a:ext cx="6861159" cy="5727850"/>
           </a:xfrm>
           <a:prstGeom prst="rect">
             <a:avLst/>
@@ -8672,20 +8765,8 @@
               <a:buChar char="•"/>
             </a:pPr>
             <a:r>
-              <a:rPr lang="en-US" b="1" dirty="0"/>
-              <a:t>Simulation-First:</a:t>
-            </a:r>
-            <a:r>
               <a:rPr lang="en-US" dirty="0"/>
-              <a:t> Uses MATLAB/</a:t>
-            </a:r>
-            <a:r>
-              <a:rPr lang="en-US" dirty="0" err="1"/>
-              <a:t>RoadRunner</a:t>
-            </a:r>
-            <a:r>
-              <a:rPr lang="en-US" dirty="0"/>
-              <a:t>, no physical hardware needed.</a:t>
+              <a:t>software-only approach is built entirely on free, open-source technologies, eliminating hardware dependencies and high costs. </a:t>
             </a:r>
           </a:p>
           <a:p>
@@ -8697,12 +8778,8 @@
               <a:buChar char="•"/>
             </a:pPr>
             <a:r>
-              <a:rPr lang="en-US" b="1" dirty="0"/>
-              <a:t>Tier-2/3 Focus:</a:t>
-            </a:r>
-            <a:r>
               <a:rPr lang="en-US" dirty="0"/>
-              <a:t> Designed for Indian cities with evolving infrastructure.</a:t>
+              <a:t>The "Human Sensor" network (our crowdsourcing app) is a fast, low-cost method to overcome the challenge of fragmented official data.</a:t>
             </a:r>
           </a:p>
           <a:p>
@@ -8714,13 +8791,10 @@
               <a:buChar char="•"/>
             </a:pPr>
             <a:r>
-              <a:rPr lang="en-US" b="1" dirty="0"/>
-              <a:t>Scenario-Based:</a:t>
-            </a:r>
-            <a:r>
               <a:rPr lang="en-US" dirty="0"/>
-              <a:t> Models traffic, driver behavior, and road modifications.</a:t>
-            </a:r>
+              <a:t>A demo of our prototype processing real-time citizen reports.</a:t>
+            </a:r>
+            <a:endParaRPr lang="en-IN" dirty="0"/>
           </a:p>
           <a:p>
             <a:pPr>
@@ -8731,13 +8805,18 @@
             <a:endParaRPr lang="en-IN" dirty="0"/>
           </a:p>
           <a:p>
+            <a:pPr>
+              <a:lnSpc>
+                <a:spcPct val="150000"/>
+              </a:lnSpc>
+            </a:pPr>
             <a:r>
               <a:rPr lang="en-IN" b="1" u="sng" dirty="0"/>
-              <a:t>CHALLENGES &amp; RISKS</a:t>
-            </a:r>
-          </a:p>
-          <a:p>
-            <a:pPr marL="342900" indent="-342900">
+              <a:t>Viability (It will succeed):</a:t>
+            </a:r>
+          </a:p>
+          <a:p>
+            <a:pPr marL="285750" indent="-285750">
               <a:lnSpc>
                 <a:spcPct val="150000"/>
               </a:lnSpc>
@@ -8746,11 +8825,11 @@
             </a:pPr>
             <a:r>
               <a:rPr lang="en-US" dirty="0"/>
-              <a:t>Incomplete or fragmented official traffic data.</a:t>
-            </a:r>
-          </a:p>
-          <a:p>
-            <a:pPr marL="342900" indent="-342900">
+              <a:t>We focus on Tier-2/3 cities, an underserved market with a massive need for better planning tools.</a:t>
+            </a:r>
+          </a:p>
+          <a:p>
+            <a:pPr marL="285750" indent="-285750">
               <a:lnSpc>
                 <a:spcPct val="150000"/>
               </a:lnSpc>
@@ -8759,21 +8838,9 @@
             </a:pPr>
             <a:r>
               <a:rPr lang="en-US" dirty="0"/>
-              <a:t>Lack of standardized datasets for smaller cities.</a:t>
-            </a:r>
-          </a:p>
-          <a:p>
-            <a:pPr marL="342900" indent="-342900">
-              <a:lnSpc>
-                <a:spcPct val="150000"/>
-              </a:lnSpc>
-              <a:buFont typeface="Arial" panose="020B0604020202020204" pitchFamily="34" charset="0"/>
-              <a:buChar char="•"/>
-            </a:pPr>
-            <a:r>
-              <a:rPr lang="en-US" dirty="0"/>
-              <a:t>Ensuring realistic traffic and driver behavior modeling.</a:t>
-            </a:r>
+              <a:t>We propose a subscription (SaaS) model for Municipal Corporations and Urban Development Authorities</a:t>
+            </a:r>
+            <a:endParaRPr lang="en-IN" u="sng" dirty="0"/>
           </a:p>
           <a:p>
             <a:pPr>
@@ -8781,48 +8848,6 @@
                 <a:spcPct val="150000"/>
               </a:lnSpc>
             </a:pPr>
-            <a:endParaRPr lang="en-IN" dirty="0"/>
-          </a:p>
-          <a:p>
-            <a:r>
-              <a:rPr lang="en-IN" b="1" u="sng" dirty="0"/>
-              <a:t>STRATEGIES TO OVERCOME</a:t>
-            </a:r>
-            <a:endParaRPr lang="en-IN" u="sng" dirty="0"/>
-          </a:p>
-          <a:p>
-            <a:pPr marL="342900" indent="-342900">
-              <a:lnSpc>
-                <a:spcPct val="150000"/>
-              </a:lnSpc>
-              <a:buFont typeface="Arial" panose="020B0604020202020204" pitchFamily="34" charset="0"/>
-              <a:buChar char="•"/>
-            </a:pPr>
-            <a:r>
-              <a:rPr lang="en-US" dirty="0"/>
-              <a:t>Integrate official traffic and route data for accuracy.</a:t>
-            </a:r>
-          </a:p>
-          <a:p>
-            <a:pPr marL="342900" indent="-342900">
-              <a:lnSpc>
-                <a:spcPct val="150000"/>
-              </a:lnSpc>
-              <a:buFont typeface="Arial" panose="020B0604020202020204" pitchFamily="34" charset="0"/>
-              <a:buChar char="•"/>
-            </a:pPr>
-            <a:r>
-              <a:rPr lang="en-US" dirty="0"/>
-              <a:t>Use MATLAB/</a:t>
-            </a:r>
-            <a:r>
-              <a:rPr lang="en-US" dirty="0" err="1"/>
-              <a:t>RoadRunner</a:t>
-            </a:r>
-            <a:r>
-              <a:rPr lang="en-US" dirty="0"/>
-              <a:t> for flexible scenario testing.</a:t>
-            </a:r>
             <a:endParaRPr lang="en-IN" dirty="0"/>
           </a:p>
         </p:txBody>
@@ -8952,10 +8977,10 @@
       </p:sp>
       <p:pic>
         <p:nvPicPr>
-          <p:cNvPr id="3" name="Picture 2">
+          <p:cNvPr id="12" name="Picture 11">
             <a:extLst>
               <a:ext uri="{FF2B5EF4-FFF2-40B4-BE49-F238E27FC236}">
-                <a16:creationId xmlns:a16="http://schemas.microsoft.com/office/drawing/2014/main" id="{0CEE7DFA-C4F8-BD19-E402-0A502BDF3E68}"/>
+                <a16:creationId xmlns:a16="http://schemas.microsoft.com/office/drawing/2014/main" id="{3C8763B4-35FA-BF6C-2659-975F93010F18}"/>
               </a:ext>
             </a:extLst>
           </p:cNvPr>
@@ -8972,8 +8997,8 @@
         </p:blipFill>
         <p:spPr>
           <a:xfrm>
-            <a:off x="6729161" y="2661428"/>
-            <a:ext cx="4930140" cy="3286760"/>
+            <a:off x="7268478" y="1018842"/>
+            <a:ext cx="4825199" cy="4835803"/>
           </a:xfrm>
           <a:prstGeom prst="rect">
             <a:avLst/>
@@ -9013,36 +9038,6 @@
           <a:chExt cx="0" cy="0"/>
         </a:xfrm>
       </p:grpSpPr>
-      <p:pic>
-        <p:nvPicPr>
-          <p:cNvPr id="18" name="Picture 17">
-            <a:extLst>
-              <a:ext uri="{FF2B5EF4-FFF2-40B4-BE49-F238E27FC236}">
-                <a16:creationId xmlns:a16="http://schemas.microsoft.com/office/drawing/2014/main" id="{6D24431D-9574-D061-D958-5DD7B0459CE4}"/>
-              </a:ext>
-            </a:extLst>
-          </p:cNvPr>
-          <p:cNvPicPr>
-            <a:picLocks noChangeAspect="1"/>
-          </p:cNvPicPr>
-          <p:nvPr/>
-        </p:nvPicPr>
-        <p:blipFill>
-          <a:blip r:embed="rId3"/>
-          <a:stretch>
-            <a:fillRect/>
-          </a:stretch>
-        </p:blipFill>
-        <p:spPr>
-          <a:xfrm>
-            <a:off x="6602717" y="1366021"/>
-            <a:ext cx="5309569" cy="4796484"/>
-          </a:xfrm>
-          <a:prstGeom prst="rect">
-            <a:avLst/>
-          </a:prstGeom>
-        </p:spPr>
-      </p:pic>
       <p:sp>
         <p:nvSpPr>
           <p:cNvPr id="17410" name="TextBox 8"/>
@@ -9054,7 +9049,7 @@
         <p:spPr bwMode="auto">
           <a:xfrm>
             <a:off x="614908" y="1226909"/>
-            <a:ext cx="5933375" cy="4708981"/>
+            <a:ext cx="5933375" cy="5016758"/>
           </a:xfrm>
           <a:prstGeom prst="rect">
             <a:avLst/>
@@ -9075,7 +9070,7 @@
           <a:p>
             <a:r>
               <a:rPr lang="en-US" sz="2000" b="1" dirty="0"/>
-              <a:t>Impact</a:t>
+              <a:t>Impact and Benefits</a:t>
             </a:r>
             <a:endParaRPr lang="en-US" sz="2000" dirty="0"/>
           </a:p>
@@ -9085,8 +9080,12 @@
               <a:buChar char="•"/>
             </a:pPr>
             <a:r>
+              <a:rPr lang="en-US" sz="2000" b="1" dirty="0"/>
+              <a:t>De-risk Major Projects:</a:t>
+            </a:r>
+            <a:r>
               <a:rPr lang="en-US" sz="2000" dirty="0"/>
-              <a:t>Traffic Management: Improved congestion prediction and road usage insights.</a:t>
+              <a:t> Planners can accurately simulate the impact of new flyovers or metro routes before construction, saving crores and ensuring effectiveness.</a:t>
             </a:r>
           </a:p>
           <a:p>
@@ -9094,10 +9093,7 @@
               <a:buFont typeface="Arial" panose="020B0604020202020204" pitchFamily="34" charset="0"/>
               <a:buChar char="•"/>
             </a:pPr>
-            <a:r>
-              <a:rPr lang="en-US" sz="2000" dirty="0"/>
-              <a:t>Planning &amp; Operations: Analytics for infrastructure efficiency and maintenance.</a:t>
-            </a:r>
+            <a:endParaRPr lang="en-US" sz="2000" dirty="0"/>
           </a:p>
           <a:p>
             <a:pPr marL="342900" indent="-342900">
@@ -9105,29 +9101,20 @@
               <a:buChar char="•"/>
             </a:pPr>
             <a:r>
+              <a:rPr lang="en-US" sz="2000" b="1" dirty="0"/>
+              <a:t>Improve Traffic Management:</a:t>
+            </a:r>
+            <a:r>
               <a:rPr lang="en-US" sz="2000" dirty="0"/>
-              <a:t>Policy Support: Data-driven decisions for urban mobility planning.</a:t>
-            </a:r>
-          </a:p>
-          <a:p>
-            <a:endParaRPr lang="en-US" sz="2000" dirty="0"/>
-          </a:p>
-          <a:p>
-            <a:r>
-              <a:rPr lang="en-US" sz="2000" b="1" dirty="0"/>
-              <a:t>Benefits</a:t>
-            </a:r>
-            <a:endParaRPr lang="en-US" sz="2000" dirty="0"/>
+              <a:t> Predict congestion hotspots and optimize traffic flow with data-driven insights.</a:t>
+            </a:r>
           </a:p>
           <a:p>
             <a:pPr marL="342900" indent="-342900">
               <a:buFont typeface="Arial" panose="020B0604020202020204" pitchFamily="34" charset="0"/>
               <a:buChar char="•"/>
             </a:pPr>
-            <a:r>
-              <a:rPr lang="en-US" sz="2000" dirty="0"/>
-              <a:t>Efficiency: Faster planning and optimized resource allocation.</a:t>
-            </a:r>
+            <a:endParaRPr lang="en-US" sz="2000" dirty="0"/>
           </a:p>
           <a:p>
             <a:pPr marL="342900" indent="-342900">
@@ -9135,8 +9122,12 @@
               <a:buChar char="•"/>
             </a:pPr>
             <a:r>
+              <a:rPr lang="en-US" sz="2000" b="1" dirty="0"/>
+              <a:t>Economic &amp; Environmental:</a:t>
+            </a:r>
+            <a:r>
               <a:rPr lang="en-US" sz="2000" dirty="0"/>
-              <a:t>Economic: Time saved, productivity up, more revenue.</a:t>
+              <a:t> Less congestion leads to fuel savings, lower emissions, and increased productivity.</a:t>
             </a:r>
           </a:p>
           <a:p>
@@ -9144,10 +9135,7 @@
               <a:buFont typeface="Arial" panose="020B0604020202020204" pitchFamily="34" charset="0"/>
               <a:buChar char="•"/>
             </a:pPr>
-            <a:r>
-              <a:rPr lang="en-US" sz="2000" dirty="0"/>
-              <a:t>Environmental: Less congestion, lower emissions.</a:t>
-            </a:r>
+            <a:endParaRPr lang="en-US" sz="2000" dirty="0"/>
           </a:p>
           <a:p>
             <a:pPr marL="342900" indent="-342900">
@@ -9155,8 +9143,12 @@
               <a:buChar char="•"/>
             </a:pPr>
             <a:r>
+              <a:rPr lang="en-US" sz="2000" b="1" dirty="0"/>
+              <a:t>Better Governance:</a:t>
+            </a:r>
+            <a:r>
               <a:rPr lang="en-US" sz="2000" dirty="0"/>
-              <a:t>Governance: Data-driven policies &amp; planning.</a:t>
+              <a:t> Empowers city officials to move from guesswork to data-backed policy and planning</a:t>
             </a:r>
           </a:p>
         </p:txBody>
@@ -9549,7 +9541,7 @@
           <p:nvPr/>
         </p:nvPicPr>
         <p:blipFill>
-          <a:blip r:embed="rId4">
+          <a:blip r:embed="rId3">
             <a:extLst>
               <a:ext uri="{28A0092B-C50C-407E-A947-70E740481C1C}">
                 <a14:useLocalDpi xmlns:a14="http://schemas.microsoft.com/office/drawing/2010/main" val="0"/>
@@ -9765,6 +9757,36 @@
           </a:p>
         </p:txBody>
       </p:sp>
+      <p:pic>
+        <p:nvPicPr>
+          <p:cNvPr id="12" name="Picture 11">
+            <a:extLst>
+              <a:ext uri="{FF2B5EF4-FFF2-40B4-BE49-F238E27FC236}">
+                <a16:creationId xmlns:a16="http://schemas.microsoft.com/office/drawing/2014/main" id="{6B659EB2-A6F7-AF41-88B1-6B4FB47C4368}"/>
+              </a:ext>
+            </a:extLst>
+          </p:cNvPr>
+          <p:cNvPicPr>
+            <a:picLocks noChangeAspect="1"/>
+          </p:cNvPicPr>
+          <p:nvPr/>
+        </p:nvPicPr>
+        <p:blipFill>
+          <a:blip r:embed="rId4"/>
+          <a:stretch>
+            <a:fillRect/>
+          </a:stretch>
+        </p:blipFill>
+        <p:spPr>
+          <a:xfrm>
+            <a:off x="6700683" y="1319486"/>
+            <a:ext cx="5277073" cy="4336026"/>
+          </a:xfrm>
+          <a:prstGeom prst="rect">
+            <a:avLst/>
+          </a:prstGeom>
+        </p:spPr>
+      </p:pic>
     </p:spTree>
     <p:extLst>
       <p:ext uri="{BB962C8B-B14F-4D97-AF65-F5344CB8AC3E}">
@@ -9889,13 +9911,30 @@
               <a:buChar char="•"/>
             </a:pPr>
             <a:r>
+              <a:rPr lang="en-IN" sz="2000" b="1" dirty="0">
+                <a:hlinkClick r:id="rId4">
+                  <a:extLst>
+                    <a:ext uri="{A12FA001-AC4F-418D-AE19-62706E023703}">
+                      <ahyp:hlinkClr xmlns:ahyp="http://schemas.microsoft.com/office/drawing/2018/hyperlinkcolor" val="tx"/>
+                    </a:ext>
+                  </a:extLst>
+                </a:hlinkClick>
+              </a:rPr>
+              <a:t>Mapping Frameworks</a:t>
+            </a:r>
+            <a:r>
               <a:rPr lang="en-IN" sz="2000" b="1" dirty="0"/>
-              <a:t>Road Network &amp; Infrastructure</a:t>
+              <a:t>:</a:t>
             </a:r>
             <a:r>
               <a:rPr lang="en-IN" sz="2000" dirty="0"/>
-              <a:t>: Maps, road layouts, signal locations, and lane information.</a:t>
-            </a:r>
+              <a:t> OpenStreetMap, </a:t>
+            </a:r>
+            <a:r>
+              <a:rPr lang="en-IN" sz="2000" dirty="0" err="1"/>
+              <a:t>Mapbox</a:t>
+            </a:r>
+            <a:endParaRPr lang="en-IN" sz="2000" dirty="0"/>
           </a:p>
           <a:p>
             <a:pPr marL="342900" indent="-342900" defTabSz="914400" eaLnBrk="0" hangingPunct="0">
@@ -9906,16 +9945,32 @@
               <a:buChar char="•"/>
             </a:pPr>
             <a:r>
+              <a:rPr lang="en-IN" sz="2000" b="1" dirty="0">
+                <a:hlinkClick r:id="rId5">
+                  <a:extLst>
+                    <a:ext uri="{A12FA001-AC4F-418D-AE19-62706E023703}">
+                      <ahyp:hlinkClr xmlns:ahyp="http://schemas.microsoft.com/office/drawing/2018/hyperlinkcolor" val="tx"/>
+                    </a:ext>
+                  </a:extLst>
+                </a:hlinkClick>
+              </a:rPr>
+              <a:t>Primary Data Sources</a:t>
+            </a:r>
+            <a:r>
               <a:rPr lang="en-IN" sz="2000" b="1" dirty="0"/>
-              <a:t>Vehicle Flow &amp; Driver </a:t>
-            </a:r>
-            <a:r>
-              <a:rPr lang="en-IN" sz="2000" b="1" dirty="0" err="1"/>
-              <a:t>Behavior</a:t>
+              <a:t>:</a:t>
             </a:r>
             <a:r>
               <a:rPr lang="en-IN" sz="2000" dirty="0"/>
-              <a:t>: Observed traffic patterns, average speeds, and congestion points.</a:t>
+              <a:t> ISRO's Bhuvan Satellite Imagery, Citizen-Generated Data (via </a:t>
+            </a:r>
+            <a:r>
+              <a:rPr lang="en-IN" sz="2000" dirty="0" err="1"/>
+              <a:t>URBaNS</a:t>
+            </a:r>
+            <a:r>
+              <a:rPr lang="en-IN" sz="2000" dirty="0"/>
+              <a:t> App), Real-time Social Media Feeds.</a:t>
             </a:r>
           </a:p>
           <a:p>
@@ -9927,61 +9982,16 @@
               <a:buChar char="•"/>
             </a:pPr>
             <a:r>
-              <a:rPr lang="en-IN" sz="2000" b="1" dirty="0"/>
-              <a:t>Simulation &amp; </a:t>
-            </a:r>
-            <a:r>
-              <a:rPr lang="en-IN" sz="2000" b="1" dirty="0" err="1"/>
-              <a:t>Modeling</a:t>
-            </a:r>
-            <a:r>
-              <a:rPr lang="en-IN" sz="2000" b="1" dirty="0"/>
-              <a:t> References</a:t>
+              <a:rPr lang="en-US" sz="2000" b="1" dirty="0"/>
+              <a:t>Simulation Integration:</a:t>
+            </a:r>
+            <a:r>
+              <a:rPr lang="en-US" sz="2000" dirty="0"/>
+              <a:t> Our models are exported in standard formats compatible with open-source engines like SUMO, ensuring wide usability</a:t>
             </a:r>
             <a:r>
               <a:rPr lang="en-IN" sz="2000" dirty="0"/>
-              <a:t>: Studies, algorithms, and models from MATLAB/</a:t>
-            </a:r>
-            <a:r>
-              <a:rPr lang="en-IN" sz="2000" dirty="0" err="1"/>
-              <a:t>RoadRunner</a:t>
-            </a:r>
-            <a:r>
-              <a:rPr lang="en-IN" sz="2000" dirty="0"/>
-              <a:t> research.</a:t>
-            </a:r>
-          </a:p>
-          <a:p>
-            <a:pPr marL="342900" indent="-342900" defTabSz="914400" eaLnBrk="0" hangingPunct="0">
-              <a:lnSpc>
-                <a:spcPct val="150000"/>
-              </a:lnSpc>
-              <a:buFont typeface="Arial" panose="020B0604020202020204" pitchFamily="34" charset="0"/>
-              <a:buChar char="•"/>
-            </a:pPr>
-            <a:r>
-              <a:rPr lang="en-IN" sz="2000" b="1" dirty="0"/>
-              <a:t>Mapping Frameworks</a:t>
-            </a:r>
-            <a:r>
-              <a:rPr lang="en-IN" sz="2000" dirty="0"/>
-              <a:t>: OpenStreetMap, </a:t>
-            </a:r>
-            <a:r>
-              <a:rPr lang="en-IN" sz="2000" dirty="0" err="1"/>
-              <a:t>Mapbox</a:t>
-            </a:r>
-            <a:r>
-              <a:rPr lang="en-IN" sz="2000" dirty="0"/>
-              <a:t>, and </a:t>
-            </a:r>
-            <a:r>
-              <a:rPr lang="en-IN" sz="2000" dirty="0" err="1"/>
-              <a:t>Mappls</a:t>
-            </a:r>
-            <a:r>
-              <a:rPr lang="en-IN" sz="2000" dirty="0"/>
-              <a:t> for visualization and routing.</a:t>
+              <a:t>.</a:t>
             </a:r>
           </a:p>
           <a:p>
@@ -10394,7 +10404,7 @@
           <p:nvPr/>
         </p:nvPicPr>
         <p:blipFill>
-          <a:blip r:embed="rId4">
+          <a:blip r:embed="rId6">
             <a:extLst>
               <a:ext uri="{28A0092B-C50C-407E-A947-70E740481C1C}">
                 <a14:useLocalDpi xmlns:a14="http://schemas.microsoft.com/office/drawing/2010/main" val="0"/>
